--- a/figures/people.pptx
+++ b/figures/people.pptx
@@ -104,6 +104,11 @@
       </a:defRPr>
     </a:lvl9pPr>
   </p:defaultTextStyle>
+  <p:extLst>
+    <p:ext uri="{EFAFB233-063F-42B5-8137-9DF3F51BA10A}">
+      <p15:sldGuideLst xmlns:p15="http://schemas.microsoft.com/office/powerpoint/2012/main"/>
+    </p:ext>
+  </p:extLst>
 </p:presentation>
 </file>
 
@@ -3335,7 +3340,7 @@
           </p:cNvPicPr>
           <p:nvPr/>
         </p:nvPicPr>
-        <p:blipFill>
+        <p:blipFill rotWithShape="1">
           <a:blip r:embed="rId2">
             <a:extLst>
               <a:ext uri="{28A0092B-C50C-407E-A947-70E740481C1C}">
@@ -3343,15 +3348,13 @@
               </a:ext>
             </a:extLst>
           </a:blip>
-          <a:srcRect/>
-          <a:stretch>
-            <a:fillRect/>
-          </a:stretch>
+          <a:srcRect r="13300"/>
+          <a:stretch/>
         </p:blipFill>
         <p:spPr bwMode="auto">
           <a:xfrm>
-            <a:off x="668349" y="3809937"/>
-            <a:ext cx="1637597" cy="1632138"/>
+            <a:off x="5074899" y="1933688"/>
+            <a:ext cx="1632138" cy="1876246"/>
           </a:xfrm>
           <a:prstGeom prst="rect">
             <a:avLst/>
@@ -3417,8 +3420,8 @@
         </p:blipFill>
         <p:spPr>
           <a:xfrm>
-            <a:off x="4839848" y="1937290"/>
-            <a:ext cx="1872647" cy="1872647"/>
+            <a:off x="667829" y="3809936"/>
+            <a:ext cx="1632138" cy="1632138"/>
           </a:xfrm>
           <a:prstGeom prst="rect">
             <a:avLst/>
